--- a/documents/alpha_green_presentation.pptx
+++ b/documents/alpha_green_presentation.pptx
@@ -110,6 +110,11 @@
       </a:defRPr>
     </a:lvl9pPr>
   </p:defaultTextStyle>
+  <p:extLst>
+    <p:ext uri="{EFAFB233-063F-42B5-8137-9DF3F51BA10A}">
+      <p15:sldGuideLst xmlns:p15="http://schemas.microsoft.com/office/powerpoint/2012/main"/>
+    </p:ext>
+  </p:extLst>
 </p:presentation>
 </file>
 
@@ -3092,7 +3097,7 @@
           <a:p>
             <a:fld id="{6470A552-4A57-40D4-B628-839DE445BB81}" type="datetimeFigureOut">
               <a:rPr lang="en-US" smtClean="0"/>
-              <a:t>12/11/2023</a:t>
+              <a:t>12/14/2023</a:t>
             </a:fld>
             <a:endParaRPr lang="en-US"/>
           </a:p>
@@ -3390,7 +3395,7 @@
           <a:p>
             <a:fld id="{6470A552-4A57-40D4-B628-839DE445BB81}" type="datetimeFigureOut">
               <a:rPr lang="en-US" smtClean="0"/>
-              <a:t>12/11/2023</a:t>
+              <a:t>12/14/2023</a:t>
             </a:fld>
             <a:endParaRPr lang="en-US"/>
           </a:p>
@@ -3582,7 +3587,7 @@
           <a:p>
             <a:fld id="{6470A552-4A57-40D4-B628-839DE445BB81}" type="datetimeFigureOut">
               <a:rPr lang="en-US" smtClean="0"/>
-              <a:t>12/11/2023</a:t>
+              <a:t>12/14/2023</a:t>
             </a:fld>
             <a:endParaRPr lang="en-US"/>
           </a:p>
@@ -3843,7 +3848,7 @@
           <a:p>
             <a:fld id="{6470A552-4A57-40D4-B628-839DE445BB81}" type="datetimeFigureOut">
               <a:rPr lang="en-US" smtClean="0"/>
-              <a:t>12/11/2023</a:t>
+              <a:t>12/14/2023</a:t>
             </a:fld>
             <a:endParaRPr lang="en-US"/>
           </a:p>
@@ -4267,7 +4272,7 @@
           <a:p>
             <a:fld id="{6470A552-4A57-40D4-B628-839DE445BB81}" type="datetimeFigureOut">
               <a:rPr lang="en-US" smtClean="0"/>
-              <a:t>12/11/2023</a:t>
+              <a:t>12/14/2023</a:t>
             </a:fld>
             <a:endParaRPr lang="en-US"/>
           </a:p>
@@ -4804,7 +4809,7 @@
           <a:p>
             <a:fld id="{6470A552-4A57-40D4-B628-839DE445BB81}" type="datetimeFigureOut">
               <a:rPr lang="en-US" smtClean="0"/>
-              <a:t>12/11/2023</a:t>
+              <a:t>12/14/2023</a:t>
             </a:fld>
             <a:endParaRPr lang="en-US"/>
           </a:p>
@@ -5668,7 +5673,7 @@
           <a:p>
             <a:fld id="{6470A552-4A57-40D4-B628-839DE445BB81}" type="datetimeFigureOut">
               <a:rPr lang="en-US" smtClean="0"/>
-              <a:t>12/11/2023</a:t>
+              <a:t>12/14/2023</a:t>
             </a:fld>
             <a:endParaRPr lang="en-US"/>
           </a:p>
@@ -5838,7 +5843,7 @@
           <a:p>
             <a:fld id="{6470A552-4A57-40D4-B628-839DE445BB81}" type="datetimeFigureOut">
               <a:rPr lang="en-US" smtClean="0"/>
-              <a:t>12/11/2023</a:t>
+              <a:t>12/14/2023</a:t>
             </a:fld>
             <a:endParaRPr lang="en-US"/>
           </a:p>
@@ -6022,7 +6027,7 @@
           <a:p>
             <a:fld id="{6470A552-4A57-40D4-B628-839DE445BB81}" type="datetimeFigureOut">
               <a:rPr lang="en-US" smtClean="0"/>
-              <a:t>12/11/2023</a:t>
+              <a:t>12/14/2023</a:t>
             </a:fld>
             <a:endParaRPr lang="en-US"/>
           </a:p>
@@ -6192,7 +6197,7 @@
           <a:p>
             <a:fld id="{6470A552-4A57-40D4-B628-839DE445BB81}" type="datetimeFigureOut">
               <a:rPr lang="en-US" smtClean="0"/>
-              <a:t>12/11/2023</a:t>
+              <a:t>12/14/2023</a:t>
             </a:fld>
             <a:endParaRPr lang="en-US"/>
           </a:p>
@@ -6436,7 +6441,7 @@
           <a:p>
             <a:fld id="{6470A552-4A57-40D4-B628-839DE445BB81}" type="datetimeFigureOut">
               <a:rPr lang="en-US" smtClean="0"/>
-              <a:t>12/11/2023</a:t>
+              <a:t>12/14/2023</a:t>
             </a:fld>
             <a:endParaRPr lang="en-US"/>
           </a:p>
@@ -6672,7 +6677,7 @@
           <a:p>
             <a:fld id="{6470A552-4A57-40D4-B628-839DE445BB81}" type="datetimeFigureOut">
               <a:rPr lang="en-US" smtClean="0"/>
-              <a:t>12/11/2023</a:t>
+              <a:t>12/14/2023</a:t>
             </a:fld>
             <a:endParaRPr lang="en-US"/>
           </a:p>
@@ -7138,7 +7143,7 @@
           <a:p>
             <a:fld id="{6470A552-4A57-40D4-B628-839DE445BB81}" type="datetimeFigureOut">
               <a:rPr lang="en-US" smtClean="0"/>
-              <a:t>12/11/2023</a:t>
+              <a:t>12/14/2023</a:t>
             </a:fld>
             <a:endParaRPr lang="en-US"/>
           </a:p>
@@ -7256,7 +7261,7 @@
           <a:p>
             <a:fld id="{6470A552-4A57-40D4-B628-839DE445BB81}" type="datetimeFigureOut">
               <a:rPr lang="en-US" smtClean="0"/>
-              <a:t>12/11/2023</a:t>
+              <a:t>12/14/2023</a:t>
             </a:fld>
             <a:endParaRPr lang="en-US"/>
           </a:p>
@@ -7351,7 +7356,7 @@
           <a:p>
             <a:fld id="{6470A552-4A57-40D4-B628-839DE445BB81}" type="datetimeFigureOut">
               <a:rPr lang="en-US" smtClean="0"/>
-              <a:t>12/11/2023</a:t>
+              <a:t>12/14/2023</a:t>
             </a:fld>
             <a:endParaRPr lang="en-US"/>
           </a:p>
@@ -7606,7 +7611,7 @@
           <a:p>
             <a:fld id="{6470A552-4A57-40D4-B628-839DE445BB81}" type="datetimeFigureOut">
               <a:rPr lang="en-US" smtClean="0"/>
-              <a:t>12/11/2023</a:t>
+              <a:t>12/14/2023</a:t>
             </a:fld>
             <a:endParaRPr lang="en-US"/>
           </a:p>
@@ -7906,7 +7911,7 @@
           <a:p>
             <a:fld id="{6470A552-4A57-40D4-B628-839DE445BB81}" type="datetimeFigureOut">
               <a:rPr lang="en-US" smtClean="0"/>
-              <a:t>12/11/2023</a:t>
+              <a:t>12/14/2023</a:t>
             </a:fld>
             <a:endParaRPr lang="en-US"/>
           </a:p>
@@ -8140,7 +8145,7 @@
           <a:p>
             <a:fld id="{6470A552-4A57-40D4-B628-839DE445BB81}" type="datetimeFigureOut">
               <a:rPr lang="en-US" smtClean="0"/>
-              <a:t>12/11/2023</a:t>
+              <a:t>12/14/2023</a:t>
             </a:fld>
             <a:endParaRPr lang="en-US"/>
           </a:p>
@@ -12580,59 +12585,8 @@
                 <a:ea typeface="+mj-ea"/>
                 <a:cs typeface="Aharoni" panose="02010803020104030203" pitchFamily="2" charset="-79"/>
               </a:rPr>
-              <a:t>Martin </a:t>
+              <a:t>Martin Shavov</a:t>
             </a:r>
-            <a:r>
-              <a:rPr lang="en-US" sz="2400" dirty="0" err="1">
-                <a:ln>
-                  <a:solidFill>
-                    <a:schemeClr val="bg1">
-                      <a:lumMod val="75000"/>
-                      <a:lumOff val="25000"/>
-                      <a:alpha val="10000"/>
-                    </a:schemeClr>
-                  </a:solidFill>
-                </a:ln>
-                <a:solidFill>
-                  <a:srgbClr val="51E16C"/>
-                </a:solidFill>
-                <a:effectLst>
-                  <a:outerShdw blurRad="9525" dist="25400" dir="14640000" algn="tl" rotWithShape="0">
-                    <a:schemeClr val="bg1">
-                      <a:alpha val="30000"/>
-                    </a:schemeClr>
-                  </a:outerShdw>
-                </a:effectLst>
-                <a:latin typeface="Aharoni" panose="02010803020104030203" pitchFamily="2" charset="-79"/>
-                <a:ea typeface="+mj-ea"/>
-                <a:cs typeface="Aharoni" panose="02010803020104030203" pitchFamily="2" charset="-79"/>
-              </a:rPr>
-              <a:t>Shavov</a:t>
-            </a:r>
-            <a:endParaRPr lang="en-US" sz="2400" dirty="0">
-              <a:ln>
-                <a:solidFill>
-                  <a:schemeClr val="bg1">
-                    <a:lumMod val="75000"/>
-                    <a:lumOff val="25000"/>
-                    <a:alpha val="10000"/>
-                  </a:schemeClr>
-                </a:solidFill>
-              </a:ln>
-              <a:solidFill>
-                <a:srgbClr val="51E16C"/>
-              </a:solidFill>
-              <a:effectLst>
-                <a:outerShdw blurRad="9525" dist="25400" dir="14640000" algn="tl" rotWithShape="0">
-                  <a:schemeClr val="bg1">
-                    <a:alpha val="30000"/>
-                  </a:schemeClr>
-                </a:outerShdw>
-              </a:effectLst>
-              <a:latin typeface="Aharoni" panose="02010803020104030203" pitchFamily="2" charset="-79"/>
-              <a:ea typeface="+mj-ea"/>
-              <a:cs typeface="Aharoni" panose="02010803020104030203" pitchFamily="2" charset="-79"/>
-            </a:endParaRPr>
           </a:p>
         </p:txBody>
       </p:sp>
@@ -13442,8 +13396,8 @@
         </p:blipFill>
         <p:spPr>
           <a:xfrm>
-            <a:off x="1215382" y="1639686"/>
-            <a:ext cx="2046496" cy="2046496"/>
+            <a:off x="600757" y="1978278"/>
+            <a:ext cx="1450722" cy="1450722"/>
           </a:xfrm>
           <a:prstGeom prst="rect">
             <a:avLst/>
@@ -13472,8 +13426,8 @@
         </p:blipFill>
         <p:spPr>
           <a:xfrm>
-            <a:off x="3783373" y="1611089"/>
-            <a:ext cx="2046495" cy="2046496"/>
+            <a:off x="2985353" y="1939563"/>
+            <a:ext cx="1450721" cy="1450722"/>
           </a:xfrm>
           <a:prstGeom prst="rect">
             <a:avLst/>
@@ -13502,8 +13456,8 @@
         </p:blipFill>
         <p:spPr>
           <a:xfrm>
-            <a:off x="6405528" y="1639686"/>
-            <a:ext cx="2046497" cy="2046496"/>
+            <a:off x="5206104" y="1939563"/>
+            <a:ext cx="1450723" cy="1450722"/>
           </a:xfrm>
           <a:prstGeom prst="rect">
             <a:avLst/>
@@ -13532,8 +13486,8 @@
         </p:blipFill>
         <p:spPr>
           <a:xfrm>
-            <a:off x="8930122" y="1611089"/>
-            <a:ext cx="2046496" cy="2046496"/>
+            <a:off x="9812423" y="1978278"/>
+            <a:ext cx="1450722" cy="1450722"/>
           </a:xfrm>
           <a:prstGeom prst="rect">
             <a:avLst/>
@@ -13562,8 +13516,8 @@
         </p:blipFill>
         <p:spPr>
           <a:xfrm>
-            <a:off x="1215382" y="4177720"/>
-            <a:ext cx="2046498" cy="2046498"/>
+            <a:off x="586905" y="4049110"/>
+            <a:ext cx="1450723" cy="1450723"/>
           </a:xfrm>
           <a:prstGeom prst="rect">
             <a:avLst/>
@@ -13592,8 +13546,8 @@
         </p:blipFill>
         <p:spPr>
           <a:xfrm>
-            <a:off x="3739975" y="4177721"/>
-            <a:ext cx="2046497" cy="2046497"/>
+            <a:off x="5178191" y="4021194"/>
+            <a:ext cx="1450722" cy="1450722"/>
           </a:xfrm>
           <a:prstGeom prst="rect">
             <a:avLst/>
@@ -13622,8 +13576,8 @@
         </p:blipFill>
         <p:spPr>
           <a:xfrm>
-            <a:off x="6264567" y="4177720"/>
-            <a:ext cx="2048825" cy="2048824"/>
+            <a:off x="7546966" y="4047460"/>
+            <a:ext cx="1452373" cy="1452372"/>
           </a:xfrm>
           <a:prstGeom prst="rect">
             <a:avLst/>
@@ -13652,8 +13606,80 @@
         </p:blipFill>
         <p:spPr>
           <a:xfrm>
-            <a:off x="8774544" y="4175393"/>
-            <a:ext cx="2048825" cy="2048825"/>
+            <a:off x="9810772" y="4047460"/>
+            <a:ext cx="1452373" cy="1452373"/>
+          </a:xfrm>
+          <a:prstGeom prst="rect">
+            <a:avLst/>
+          </a:prstGeom>
+        </p:spPr>
+      </p:pic>
+      <p:pic>
+        <p:nvPicPr>
+          <p:cNvPr id="3" name="Picture 2">
+            <a:extLst>
+              <a:ext uri="{FF2B5EF4-FFF2-40B4-BE49-F238E27FC236}">
+                <a16:creationId xmlns:a16="http://schemas.microsoft.com/office/drawing/2014/main" id="{A9FDCE99-B531-4AD9-B834-6B5F7EE76C41}"/>
+              </a:ext>
+            </a:extLst>
+          </p:cNvPr>
+          <p:cNvPicPr>
+            <a:picLocks noChangeAspect="1"/>
+          </p:cNvPicPr>
+          <p:nvPr/>
+        </p:nvPicPr>
+        <p:blipFill>
+          <a:blip r:embed="rId10">
+            <a:extLst>
+              <a:ext uri="{28A0092B-C50C-407E-A947-70E740481C1C}">
+                <a14:useLocalDpi xmlns:a14="http://schemas.microsoft.com/office/drawing/2010/main" val="0"/>
+              </a:ext>
+            </a:extLst>
+          </a:blip>
+          <a:stretch>
+            <a:fillRect/>
+          </a:stretch>
+        </p:blipFill>
+        <p:spPr>
+          <a:xfrm>
+            <a:off x="7509265" y="1939563"/>
+            <a:ext cx="1450720" cy="1450720"/>
+          </a:xfrm>
+          <a:prstGeom prst="rect">
+            <a:avLst/>
+          </a:prstGeom>
+        </p:spPr>
+      </p:pic>
+      <p:pic>
+        <p:nvPicPr>
+          <p:cNvPr id="14" name="Picture 13">
+            <a:extLst>
+              <a:ext uri="{FF2B5EF4-FFF2-40B4-BE49-F238E27FC236}">
+                <a16:creationId xmlns:a16="http://schemas.microsoft.com/office/drawing/2014/main" id="{E462A968-271A-4D41-803C-5F5C6BA9EDA2}"/>
+              </a:ext>
+            </a:extLst>
+          </p:cNvPr>
+          <p:cNvPicPr>
+            <a:picLocks noChangeAspect="1"/>
+          </p:cNvPicPr>
+          <p:nvPr/>
+        </p:nvPicPr>
+        <p:blipFill>
+          <a:blip r:embed="rId11">
+            <a:extLst>
+              <a:ext uri="{28A0092B-C50C-407E-A947-70E740481C1C}">
+                <a14:useLocalDpi xmlns:a14="http://schemas.microsoft.com/office/drawing/2010/main" val="0"/>
+              </a:ext>
+            </a:extLst>
+          </a:blip>
+          <a:stretch>
+            <a:fillRect/>
+          </a:stretch>
+        </p:blipFill>
+        <p:spPr>
+          <a:xfrm>
+            <a:off x="2986026" y="4049785"/>
+            <a:ext cx="1450048" cy="1450048"/>
           </a:xfrm>
           <a:prstGeom prst="rect">
             <a:avLst/>

--- a/documents/alpha_green_presentation.pptx
+++ b/documents/alpha_green_presentation.pptx
@@ -11119,806 +11119,6 @@
   <p:clrMapOvr>
     <a:masterClrMapping/>
   </p:clrMapOvr>
-  <p:timing>
-    <p:tnLst>
-      <p:par>
-        <p:cTn id="1" dur="indefinite" restart="never" nodeType="tmRoot">
-          <p:childTnLst>
-            <p:seq concurrent="1" nextAc="seek">
-              <p:cTn id="2" dur="indefinite" nodeType="mainSeq">
-                <p:childTnLst>
-                  <p:par>
-                    <p:cTn id="3" fill="hold">
-                      <p:stCondLst>
-                        <p:cond delay="indefinite"/>
-                        <p:cond evt="onBegin" delay="0">
-                          <p:tn val="2"/>
-                        </p:cond>
-                      </p:stCondLst>
-                      <p:childTnLst>
-                        <p:par>
-                          <p:cTn id="4" fill="hold">
-                            <p:stCondLst>
-                              <p:cond delay="0"/>
-                            </p:stCondLst>
-                            <p:childTnLst>
-                              <p:par>
-                                <p:cTn id="5" presetID="42" presetClass="entr" presetSubtype="0" fill="hold" grpId="0" nodeType="afterEffect">
-                                  <p:stCondLst>
-                                    <p:cond delay="0"/>
-                                  </p:stCondLst>
-                                  <p:childTnLst>
-                                    <p:set>
-                                      <p:cBhvr>
-                                        <p:cTn id="6" dur="1" fill="hold">
-                                          <p:stCondLst>
-                                            <p:cond delay="0"/>
-                                          </p:stCondLst>
-                                        </p:cTn>
-                                        <p:tgtEl>
-                                          <p:spTgt spid="7"/>
-                                        </p:tgtEl>
-                                        <p:attrNameLst>
-                                          <p:attrName>style.visibility</p:attrName>
-                                        </p:attrNameLst>
-                                      </p:cBhvr>
-                                      <p:to>
-                                        <p:strVal val="visible"/>
-                                      </p:to>
-                                    </p:set>
-                                    <p:animEffect transition="in" filter="fade">
-                                      <p:cBhvr>
-                                        <p:cTn id="7" dur="1000"/>
-                                        <p:tgtEl>
-                                          <p:spTgt spid="7"/>
-                                        </p:tgtEl>
-                                      </p:cBhvr>
-                                    </p:animEffect>
-                                    <p:anim calcmode="lin" valueType="num">
-                                      <p:cBhvr>
-                                        <p:cTn id="8" dur="1000" fill="hold"/>
-                                        <p:tgtEl>
-                                          <p:spTgt spid="7"/>
-                                        </p:tgtEl>
-                                        <p:attrNameLst>
-                                          <p:attrName>ppt_x</p:attrName>
-                                        </p:attrNameLst>
-                                      </p:cBhvr>
-                                      <p:tavLst>
-                                        <p:tav tm="0">
-                                          <p:val>
-                                            <p:strVal val="#ppt_x"/>
-                                          </p:val>
-                                        </p:tav>
-                                        <p:tav tm="100000">
-                                          <p:val>
-                                            <p:strVal val="#ppt_x"/>
-                                          </p:val>
-                                        </p:tav>
-                                      </p:tavLst>
-                                    </p:anim>
-                                    <p:anim calcmode="lin" valueType="num">
-                                      <p:cBhvr>
-                                        <p:cTn id="9" dur="1000" fill="hold"/>
-                                        <p:tgtEl>
-                                          <p:spTgt spid="7"/>
-                                        </p:tgtEl>
-                                        <p:attrNameLst>
-                                          <p:attrName>ppt_y</p:attrName>
-                                        </p:attrNameLst>
-                                      </p:cBhvr>
-                                      <p:tavLst>
-                                        <p:tav tm="0">
-                                          <p:val>
-                                            <p:strVal val="#ppt_y+.1"/>
-                                          </p:val>
-                                        </p:tav>
-                                        <p:tav tm="100000">
-                                          <p:val>
-                                            <p:strVal val="#ppt_y"/>
-                                          </p:val>
-                                        </p:tav>
-                                      </p:tavLst>
-                                    </p:anim>
-                                  </p:childTnLst>
-                                </p:cTn>
-                              </p:par>
-                              <p:par>
-                                <p:cTn id="10" presetID="42" presetClass="entr" presetSubtype="0" fill="hold" grpId="0" nodeType="withEffect">
-                                  <p:stCondLst>
-                                    <p:cond delay="0"/>
-                                  </p:stCondLst>
-                                  <p:childTnLst>
-                                    <p:set>
-                                      <p:cBhvr>
-                                        <p:cTn id="11" dur="1" fill="hold">
-                                          <p:stCondLst>
-                                            <p:cond delay="0"/>
-                                          </p:stCondLst>
-                                        </p:cTn>
-                                        <p:tgtEl>
-                                          <p:spTgt spid="8">
-                                            <p:txEl>
-                                              <p:pRg st="0" end="0"/>
-                                            </p:txEl>
-                                          </p:spTgt>
-                                        </p:tgtEl>
-                                        <p:attrNameLst>
-                                          <p:attrName>style.visibility</p:attrName>
-                                        </p:attrNameLst>
-                                      </p:cBhvr>
-                                      <p:to>
-                                        <p:strVal val="visible"/>
-                                      </p:to>
-                                    </p:set>
-                                    <p:animEffect transition="in" filter="fade">
-                                      <p:cBhvr>
-                                        <p:cTn id="12" dur="1000"/>
-                                        <p:tgtEl>
-                                          <p:spTgt spid="8">
-                                            <p:txEl>
-                                              <p:pRg st="0" end="0"/>
-                                            </p:txEl>
-                                          </p:spTgt>
-                                        </p:tgtEl>
-                                      </p:cBhvr>
-                                    </p:animEffect>
-                                    <p:anim calcmode="lin" valueType="num">
-                                      <p:cBhvr>
-                                        <p:cTn id="13" dur="1000" fill="hold"/>
-                                        <p:tgtEl>
-                                          <p:spTgt spid="8">
-                                            <p:txEl>
-                                              <p:pRg st="0" end="0"/>
-                                            </p:txEl>
-                                          </p:spTgt>
-                                        </p:tgtEl>
-                                        <p:attrNameLst>
-                                          <p:attrName>ppt_x</p:attrName>
-                                        </p:attrNameLst>
-                                      </p:cBhvr>
-                                      <p:tavLst>
-                                        <p:tav tm="0">
-                                          <p:val>
-                                            <p:strVal val="#ppt_x"/>
-                                          </p:val>
-                                        </p:tav>
-                                        <p:tav tm="100000">
-                                          <p:val>
-                                            <p:strVal val="#ppt_x"/>
-                                          </p:val>
-                                        </p:tav>
-                                      </p:tavLst>
-                                    </p:anim>
-                                    <p:anim calcmode="lin" valueType="num">
-                                      <p:cBhvr>
-                                        <p:cTn id="14" dur="1000" fill="hold"/>
-                                        <p:tgtEl>
-                                          <p:spTgt spid="8">
-                                            <p:txEl>
-                                              <p:pRg st="0" end="0"/>
-                                            </p:txEl>
-                                          </p:spTgt>
-                                        </p:tgtEl>
-                                        <p:attrNameLst>
-                                          <p:attrName>ppt_y</p:attrName>
-                                        </p:attrNameLst>
-                                      </p:cBhvr>
-                                      <p:tavLst>
-                                        <p:tav tm="0">
-                                          <p:val>
-                                            <p:strVal val="#ppt_y+.1"/>
-                                          </p:val>
-                                        </p:tav>
-                                        <p:tav tm="100000">
-                                          <p:val>
-                                            <p:strVal val="#ppt_y"/>
-                                          </p:val>
-                                        </p:tav>
-                                      </p:tavLst>
-                                    </p:anim>
-                                  </p:childTnLst>
-                                </p:cTn>
-                              </p:par>
-                            </p:childTnLst>
-                          </p:cTn>
-                        </p:par>
-                        <p:par>
-                          <p:cTn id="15" fill="hold">
-                            <p:stCondLst>
-                              <p:cond delay="1000"/>
-                            </p:stCondLst>
-                            <p:childTnLst>
-                              <p:par>
-                                <p:cTn id="16" presetID="42" presetClass="entr" presetSubtype="0" fill="hold" grpId="0" nodeType="afterEffect">
-                                  <p:stCondLst>
-                                    <p:cond delay="0"/>
-                                  </p:stCondLst>
-                                  <p:childTnLst>
-                                    <p:set>
-                                      <p:cBhvr>
-                                        <p:cTn id="17" dur="1" fill="hold">
-                                          <p:stCondLst>
-                                            <p:cond delay="0"/>
-                                          </p:stCondLst>
-                                        </p:cTn>
-                                        <p:tgtEl>
-                                          <p:spTgt spid="10"/>
-                                        </p:tgtEl>
-                                        <p:attrNameLst>
-                                          <p:attrName>style.visibility</p:attrName>
-                                        </p:attrNameLst>
-                                      </p:cBhvr>
-                                      <p:to>
-                                        <p:strVal val="visible"/>
-                                      </p:to>
-                                    </p:set>
-                                    <p:animEffect transition="in" filter="fade">
-                                      <p:cBhvr>
-                                        <p:cTn id="18" dur="1000"/>
-                                        <p:tgtEl>
-                                          <p:spTgt spid="10"/>
-                                        </p:tgtEl>
-                                      </p:cBhvr>
-                                    </p:animEffect>
-                                    <p:anim calcmode="lin" valueType="num">
-                                      <p:cBhvr>
-                                        <p:cTn id="19" dur="1000" fill="hold"/>
-                                        <p:tgtEl>
-                                          <p:spTgt spid="10"/>
-                                        </p:tgtEl>
-                                        <p:attrNameLst>
-                                          <p:attrName>ppt_x</p:attrName>
-                                        </p:attrNameLst>
-                                      </p:cBhvr>
-                                      <p:tavLst>
-                                        <p:tav tm="0">
-                                          <p:val>
-                                            <p:strVal val="#ppt_x"/>
-                                          </p:val>
-                                        </p:tav>
-                                        <p:tav tm="100000">
-                                          <p:val>
-                                            <p:strVal val="#ppt_x"/>
-                                          </p:val>
-                                        </p:tav>
-                                      </p:tavLst>
-                                    </p:anim>
-                                    <p:anim calcmode="lin" valueType="num">
-                                      <p:cBhvr>
-                                        <p:cTn id="20" dur="1000" fill="hold"/>
-                                        <p:tgtEl>
-                                          <p:spTgt spid="10"/>
-                                        </p:tgtEl>
-                                        <p:attrNameLst>
-                                          <p:attrName>ppt_y</p:attrName>
-                                        </p:attrNameLst>
-                                      </p:cBhvr>
-                                      <p:tavLst>
-                                        <p:tav tm="0">
-                                          <p:val>
-                                            <p:strVal val="#ppt_y+.1"/>
-                                          </p:val>
-                                        </p:tav>
-                                        <p:tav tm="100000">
-                                          <p:val>
-                                            <p:strVal val="#ppt_y"/>
-                                          </p:val>
-                                        </p:tav>
-                                      </p:tavLst>
-                                    </p:anim>
-                                  </p:childTnLst>
-                                </p:cTn>
-                              </p:par>
-                              <p:par>
-                                <p:cTn id="21" presetID="42" presetClass="entr" presetSubtype="0" fill="hold" grpId="0" nodeType="withEffect">
-                                  <p:stCondLst>
-                                    <p:cond delay="0"/>
-                                  </p:stCondLst>
-                                  <p:childTnLst>
-                                    <p:set>
-                                      <p:cBhvr>
-                                        <p:cTn id="22" dur="1" fill="hold">
-                                          <p:stCondLst>
-                                            <p:cond delay="0"/>
-                                          </p:stCondLst>
-                                        </p:cTn>
-                                        <p:tgtEl>
-                                          <p:spTgt spid="11">
-                                            <p:txEl>
-                                              <p:pRg st="0" end="0"/>
-                                            </p:txEl>
-                                          </p:spTgt>
-                                        </p:tgtEl>
-                                        <p:attrNameLst>
-                                          <p:attrName>style.visibility</p:attrName>
-                                        </p:attrNameLst>
-                                      </p:cBhvr>
-                                      <p:to>
-                                        <p:strVal val="visible"/>
-                                      </p:to>
-                                    </p:set>
-                                    <p:animEffect transition="in" filter="fade">
-                                      <p:cBhvr>
-                                        <p:cTn id="23" dur="1000"/>
-                                        <p:tgtEl>
-                                          <p:spTgt spid="11">
-                                            <p:txEl>
-                                              <p:pRg st="0" end="0"/>
-                                            </p:txEl>
-                                          </p:spTgt>
-                                        </p:tgtEl>
-                                      </p:cBhvr>
-                                    </p:animEffect>
-                                    <p:anim calcmode="lin" valueType="num">
-                                      <p:cBhvr>
-                                        <p:cTn id="24" dur="1000" fill="hold"/>
-                                        <p:tgtEl>
-                                          <p:spTgt spid="11">
-                                            <p:txEl>
-                                              <p:pRg st="0" end="0"/>
-                                            </p:txEl>
-                                          </p:spTgt>
-                                        </p:tgtEl>
-                                        <p:attrNameLst>
-                                          <p:attrName>ppt_x</p:attrName>
-                                        </p:attrNameLst>
-                                      </p:cBhvr>
-                                      <p:tavLst>
-                                        <p:tav tm="0">
-                                          <p:val>
-                                            <p:strVal val="#ppt_x"/>
-                                          </p:val>
-                                        </p:tav>
-                                        <p:tav tm="100000">
-                                          <p:val>
-                                            <p:strVal val="#ppt_x"/>
-                                          </p:val>
-                                        </p:tav>
-                                      </p:tavLst>
-                                    </p:anim>
-                                    <p:anim calcmode="lin" valueType="num">
-                                      <p:cBhvr>
-                                        <p:cTn id="25" dur="1000" fill="hold"/>
-                                        <p:tgtEl>
-                                          <p:spTgt spid="11">
-                                            <p:txEl>
-                                              <p:pRg st="0" end="0"/>
-                                            </p:txEl>
-                                          </p:spTgt>
-                                        </p:tgtEl>
-                                        <p:attrNameLst>
-                                          <p:attrName>ppt_y</p:attrName>
-                                        </p:attrNameLst>
-                                      </p:cBhvr>
-                                      <p:tavLst>
-                                        <p:tav tm="0">
-                                          <p:val>
-                                            <p:strVal val="#ppt_y+.1"/>
-                                          </p:val>
-                                        </p:tav>
-                                        <p:tav tm="100000">
-                                          <p:val>
-                                            <p:strVal val="#ppt_y"/>
-                                          </p:val>
-                                        </p:tav>
-                                      </p:tavLst>
-                                    </p:anim>
-                                  </p:childTnLst>
-                                </p:cTn>
-                              </p:par>
-                            </p:childTnLst>
-                          </p:cTn>
-                        </p:par>
-                        <p:par>
-                          <p:cTn id="26" fill="hold">
-                            <p:stCondLst>
-                              <p:cond delay="2000"/>
-                            </p:stCondLst>
-                            <p:childTnLst>
-                              <p:par>
-                                <p:cTn id="27" presetID="42" presetClass="entr" presetSubtype="0" fill="hold" grpId="0" nodeType="afterEffect">
-                                  <p:stCondLst>
-                                    <p:cond delay="0"/>
-                                  </p:stCondLst>
-                                  <p:childTnLst>
-                                    <p:set>
-                                      <p:cBhvr>
-                                        <p:cTn id="28" dur="1" fill="hold">
-                                          <p:stCondLst>
-                                            <p:cond delay="0"/>
-                                          </p:stCondLst>
-                                        </p:cTn>
-                                        <p:tgtEl>
-                                          <p:spTgt spid="13"/>
-                                        </p:tgtEl>
-                                        <p:attrNameLst>
-                                          <p:attrName>style.visibility</p:attrName>
-                                        </p:attrNameLst>
-                                      </p:cBhvr>
-                                      <p:to>
-                                        <p:strVal val="visible"/>
-                                      </p:to>
-                                    </p:set>
-                                    <p:animEffect transition="in" filter="fade">
-                                      <p:cBhvr>
-                                        <p:cTn id="29" dur="1000"/>
-                                        <p:tgtEl>
-                                          <p:spTgt spid="13"/>
-                                        </p:tgtEl>
-                                      </p:cBhvr>
-                                    </p:animEffect>
-                                    <p:anim calcmode="lin" valueType="num">
-                                      <p:cBhvr>
-                                        <p:cTn id="30" dur="1000" fill="hold"/>
-                                        <p:tgtEl>
-                                          <p:spTgt spid="13"/>
-                                        </p:tgtEl>
-                                        <p:attrNameLst>
-                                          <p:attrName>ppt_x</p:attrName>
-                                        </p:attrNameLst>
-                                      </p:cBhvr>
-                                      <p:tavLst>
-                                        <p:tav tm="0">
-                                          <p:val>
-                                            <p:strVal val="#ppt_x"/>
-                                          </p:val>
-                                        </p:tav>
-                                        <p:tav tm="100000">
-                                          <p:val>
-                                            <p:strVal val="#ppt_x"/>
-                                          </p:val>
-                                        </p:tav>
-                                      </p:tavLst>
-                                    </p:anim>
-                                    <p:anim calcmode="lin" valueType="num">
-                                      <p:cBhvr>
-                                        <p:cTn id="31" dur="1000" fill="hold"/>
-                                        <p:tgtEl>
-                                          <p:spTgt spid="13"/>
-                                        </p:tgtEl>
-                                        <p:attrNameLst>
-                                          <p:attrName>ppt_y</p:attrName>
-                                        </p:attrNameLst>
-                                      </p:cBhvr>
-                                      <p:tavLst>
-                                        <p:tav tm="0">
-                                          <p:val>
-                                            <p:strVal val="#ppt_y+.1"/>
-                                          </p:val>
-                                        </p:tav>
-                                        <p:tav tm="100000">
-                                          <p:val>
-                                            <p:strVal val="#ppt_y"/>
-                                          </p:val>
-                                        </p:tav>
-                                      </p:tavLst>
-                                    </p:anim>
-                                  </p:childTnLst>
-                                </p:cTn>
-                              </p:par>
-                              <p:par>
-                                <p:cTn id="32" presetID="42" presetClass="entr" presetSubtype="0" fill="hold" grpId="0" nodeType="withEffect">
-                                  <p:stCondLst>
-                                    <p:cond delay="0"/>
-                                  </p:stCondLst>
-                                  <p:childTnLst>
-                                    <p:set>
-                                      <p:cBhvr>
-                                        <p:cTn id="33" dur="1" fill="hold">
-                                          <p:stCondLst>
-                                            <p:cond delay="0"/>
-                                          </p:stCondLst>
-                                        </p:cTn>
-                                        <p:tgtEl>
-                                          <p:spTgt spid="14">
-                                            <p:txEl>
-                                              <p:pRg st="0" end="0"/>
-                                            </p:txEl>
-                                          </p:spTgt>
-                                        </p:tgtEl>
-                                        <p:attrNameLst>
-                                          <p:attrName>style.visibility</p:attrName>
-                                        </p:attrNameLst>
-                                      </p:cBhvr>
-                                      <p:to>
-                                        <p:strVal val="visible"/>
-                                      </p:to>
-                                    </p:set>
-                                    <p:animEffect transition="in" filter="fade">
-                                      <p:cBhvr>
-                                        <p:cTn id="34" dur="1000"/>
-                                        <p:tgtEl>
-                                          <p:spTgt spid="14">
-                                            <p:txEl>
-                                              <p:pRg st="0" end="0"/>
-                                            </p:txEl>
-                                          </p:spTgt>
-                                        </p:tgtEl>
-                                      </p:cBhvr>
-                                    </p:animEffect>
-                                    <p:anim calcmode="lin" valueType="num">
-                                      <p:cBhvr>
-                                        <p:cTn id="35" dur="1000" fill="hold"/>
-                                        <p:tgtEl>
-                                          <p:spTgt spid="14">
-                                            <p:txEl>
-                                              <p:pRg st="0" end="0"/>
-                                            </p:txEl>
-                                          </p:spTgt>
-                                        </p:tgtEl>
-                                        <p:attrNameLst>
-                                          <p:attrName>ppt_x</p:attrName>
-                                        </p:attrNameLst>
-                                      </p:cBhvr>
-                                      <p:tavLst>
-                                        <p:tav tm="0">
-                                          <p:val>
-                                            <p:strVal val="#ppt_x"/>
-                                          </p:val>
-                                        </p:tav>
-                                        <p:tav tm="100000">
-                                          <p:val>
-                                            <p:strVal val="#ppt_x"/>
-                                          </p:val>
-                                        </p:tav>
-                                      </p:tavLst>
-                                    </p:anim>
-                                    <p:anim calcmode="lin" valueType="num">
-                                      <p:cBhvr>
-                                        <p:cTn id="36" dur="1000" fill="hold"/>
-                                        <p:tgtEl>
-                                          <p:spTgt spid="14">
-                                            <p:txEl>
-                                              <p:pRg st="0" end="0"/>
-                                            </p:txEl>
-                                          </p:spTgt>
-                                        </p:tgtEl>
-                                        <p:attrNameLst>
-                                          <p:attrName>ppt_y</p:attrName>
-                                        </p:attrNameLst>
-                                      </p:cBhvr>
-                                      <p:tavLst>
-                                        <p:tav tm="0">
-                                          <p:val>
-                                            <p:strVal val="#ppt_y+.1"/>
-                                          </p:val>
-                                        </p:tav>
-                                        <p:tav tm="100000">
-                                          <p:val>
-                                            <p:strVal val="#ppt_y"/>
-                                          </p:val>
-                                        </p:tav>
-                                      </p:tavLst>
-                                    </p:anim>
-                                  </p:childTnLst>
-                                </p:cTn>
-                              </p:par>
-                            </p:childTnLst>
-                          </p:cTn>
-                        </p:par>
-                        <p:par>
-                          <p:cTn id="37" fill="hold">
-                            <p:stCondLst>
-                              <p:cond delay="3000"/>
-                            </p:stCondLst>
-                            <p:childTnLst>
-                              <p:par>
-                                <p:cTn id="38" presetID="42" presetClass="entr" presetSubtype="0" fill="hold" grpId="0" nodeType="afterEffect">
-                                  <p:stCondLst>
-                                    <p:cond delay="0"/>
-                                  </p:stCondLst>
-                                  <p:childTnLst>
-                                    <p:set>
-                                      <p:cBhvr>
-                                        <p:cTn id="39" dur="1" fill="hold">
-                                          <p:stCondLst>
-                                            <p:cond delay="0"/>
-                                          </p:stCondLst>
-                                        </p:cTn>
-                                        <p:tgtEl>
-                                          <p:spTgt spid="16"/>
-                                        </p:tgtEl>
-                                        <p:attrNameLst>
-                                          <p:attrName>style.visibility</p:attrName>
-                                        </p:attrNameLst>
-                                      </p:cBhvr>
-                                      <p:to>
-                                        <p:strVal val="visible"/>
-                                      </p:to>
-                                    </p:set>
-                                    <p:animEffect transition="in" filter="fade">
-                                      <p:cBhvr>
-                                        <p:cTn id="40" dur="1000"/>
-                                        <p:tgtEl>
-                                          <p:spTgt spid="16"/>
-                                        </p:tgtEl>
-                                      </p:cBhvr>
-                                    </p:animEffect>
-                                    <p:anim calcmode="lin" valueType="num">
-                                      <p:cBhvr>
-                                        <p:cTn id="41" dur="1000" fill="hold"/>
-                                        <p:tgtEl>
-                                          <p:spTgt spid="16"/>
-                                        </p:tgtEl>
-                                        <p:attrNameLst>
-                                          <p:attrName>ppt_x</p:attrName>
-                                        </p:attrNameLst>
-                                      </p:cBhvr>
-                                      <p:tavLst>
-                                        <p:tav tm="0">
-                                          <p:val>
-                                            <p:strVal val="#ppt_x"/>
-                                          </p:val>
-                                        </p:tav>
-                                        <p:tav tm="100000">
-                                          <p:val>
-                                            <p:strVal val="#ppt_x"/>
-                                          </p:val>
-                                        </p:tav>
-                                      </p:tavLst>
-                                    </p:anim>
-                                    <p:anim calcmode="lin" valueType="num">
-                                      <p:cBhvr>
-                                        <p:cTn id="42" dur="1000" fill="hold"/>
-                                        <p:tgtEl>
-                                          <p:spTgt spid="16"/>
-                                        </p:tgtEl>
-                                        <p:attrNameLst>
-                                          <p:attrName>ppt_y</p:attrName>
-                                        </p:attrNameLst>
-                                      </p:cBhvr>
-                                      <p:tavLst>
-                                        <p:tav tm="0">
-                                          <p:val>
-                                            <p:strVal val="#ppt_y+.1"/>
-                                          </p:val>
-                                        </p:tav>
-                                        <p:tav tm="100000">
-                                          <p:val>
-                                            <p:strVal val="#ppt_y"/>
-                                          </p:val>
-                                        </p:tav>
-                                      </p:tavLst>
-                                    </p:anim>
-                                  </p:childTnLst>
-                                </p:cTn>
-                              </p:par>
-                              <p:par>
-                                <p:cTn id="43" presetID="42" presetClass="entr" presetSubtype="0" fill="hold" grpId="0" nodeType="withEffect">
-                                  <p:stCondLst>
-                                    <p:cond delay="0"/>
-                                  </p:stCondLst>
-                                  <p:childTnLst>
-                                    <p:set>
-                                      <p:cBhvr>
-                                        <p:cTn id="44" dur="1" fill="hold">
-                                          <p:stCondLst>
-                                            <p:cond delay="0"/>
-                                          </p:stCondLst>
-                                        </p:cTn>
-                                        <p:tgtEl>
-                                          <p:spTgt spid="17">
-                                            <p:txEl>
-                                              <p:pRg st="0" end="0"/>
-                                            </p:txEl>
-                                          </p:spTgt>
-                                        </p:tgtEl>
-                                        <p:attrNameLst>
-                                          <p:attrName>style.visibility</p:attrName>
-                                        </p:attrNameLst>
-                                      </p:cBhvr>
-                                      <p:to>
-                                        <p:strVal val="visible"/>
-                                      </p:to>
-                                    </p:set>
-                                    <p:animEffect transition="in" filter="fade">
-                                      <p:cBhvr>
-                                        <p:cTn id="45" dur="1000"/>
-                                        <p:tgtEl>
-                                          <p:spTgt spid="17">
-                                            <p:txEl>
-                                              <p:pRg st="0" end="0"/>
-                                            </p:txEl>
-                                          </p:spTgt>
-                                        </p:tgtEl>
-                                      </p:cBhvr>
-                                    </p:animEffect>
-                                    <p:anim calcmode="lin" valueType="num">
-                                      <p:cBhvr>
-                                        <p:cTn id="46" dur="1000" fill="hold"/>
-                                        <p:tgtEl>
-                                          <p:spTgt spid="17">
-                                            <p:txEl>
-                                              <p:pRg st="0" end="0"/>
-                                            </p:txEl>
-                                          </p:spTgt>
-                                        </p:tgtEl>
-                                        <p:attrNameLst>
-                                          <p:attrName>ppt_x</p:attrName>
-                                        </p:attrNameLst>
-                                      </p:cBhvr>
-                                      <p:tavLst>
-                                        <p:tav tm="0">
-                                          <p:val>
-                                            <p:strVal val="#ppt_x"/>
-                                          </p:val>
-                                        </p:tav>
-                                        <p:tav tm="100000">
-                                          <p:val>
-                                            <p:strVal val="#ppt_x"/>
-                                          </p:val>
-                                        </p:tav>
-                                      </p:tavLst>
-                                    </p:anim>
-                                    <p:anim calcmode="lin" valueType="num">
-                                      <p:cBhvr>
-                                        <p:cTn id="47" dur="1000" fill="hold"/>
-                                        <p:tgtEl>
-                                          <p:spTgt spid="17">
-                                            <p:txEl>
-                                              <p:pRg st="0" end="0"/>
-                                            </p:txEl>
-                                          </p:spTgt>
-                                        </p:tgtEl>
-                                        <p:attrNameLst>
-                                          <p:attrName>ppt_y</p:attrName>
-                                        </p:attrNameLst>
-                                      </p:cBhvr>
-                                      <p:tavLst>
-                                        <p:tav tm="0">
-                                          <p:val>
-                                            <p:strVal val="#ppt_y+.1"/>
-                                          </p:val>
-                                        </p:tav>
-                                        <p:tav tm="100000">
-                                          <p:val>
-                                            <p:strVal val="#ppt_y"/>
-                                          </p:val>
-                                        </p:tav>
-                                      </p:tavLst>
-                                    </p:anim>
-                                  </p:childTnLst>
-                                </p:cTn>
-                              </p:par>
-                            </p:childTnLst>
-                          </p:cTn>
-                        </p:par>
-                      </p:childTnLst>
-                    </p:cTn>
-                  </p:par>
-                </p:childTnLst>
-              </p:cTn>
-              <p:prevCondLst>
-                <p:cond evt="onPrev" delay="0">
-                  <p:tgtEl>
-                    <p:sldTgt/>
-                  </p:tgtEl>
-                </p:cond>
-              </p:prevCondLst>
-              <p:nextCondLst>
-                <p:cond evt="onNext" delay="0">
-                  <p:tgtEl>
-                    <p:sldTgt/>
-                  </p:tgtEl>
-                </p:cond>
-              </p:nextCondLst>
-            </p:seq>
-          </p:childTnLst>
-        </p:cTn>
-      </p:par>
-    </p:tnLst>
-    <p:bldLst>
-      <p:bldP spid="7" grpId="0"/>
-      <p:bldP spid="8" grpId="0" build="p"/>
-      <p:bldP spid="10" grpId="0"/>
-      <p:bldP spid="11" grpId="0" build="p"/>
-      <p:bldP spid="13" grpId="0"/>
-      <p:bldP spid="14" grpId="0" build="p"/>
-      <p:bldP spid="16" grpId="0"/>
-      <p:bldP spid="17" grpId="0" build="p"/>
-    </p:bldLst>
-  </p:timing>
 </p:sld>
 </file>
 
@@ -12714,203 +11914,6 @@
   <p:clrMapOvr>
     <a:masterClrMapping/>
   </p:clrMapOvr>
-  <p:timing>
-    <p:tnLst>
-      <p:par>
-        <p:cTn id="1" dur="indefinite" restart="never" nodeType="tmRoot">
-          <p:childTnLst>
-            <p:seq concurrent="1" nextAc="seek">
-              <p:cTn id="2" dur="indefinite" nodeType="mainSeq">
-                <p:childTnLst>
-                  <p:par>
-                    <p:cTn id="3" fill="hold">
-                      <p:stCondLst>
-                        <p:cond delay="indefinite"/>
-                        <p:cond evt="onBegin" delay="0">
-                          <p:tn val="2"/>
-                        </p:cond>
-                      </p:stCondLst>
-                      <p:childTnLst>
-                        <p:par>
-                          <p:cTn id="4" fill="hold">
-                            <p:stCondLst>
-                              <p:cond delay="0"/>
-                            </p:stCondLst>
-                            <p:childTnLst>
-                              <p:par>
-                                <p:cTn id="5" presetID="16" presetClass="entr" presetSubtype="21" fill="hold" grpId="0" nodeType="withEffect">
-                                  <p:stCondLst>
-                                    <p:cond delay="0"/>
-                                  </p:stCondLst>
-                                  <p:childTnLst>
-                                    <p:set>
-                                      <p:cBhvr>
-                                        <p:cTn id="6" dur="1" fill="hold">
-                                          <p:stCondLst>
-                                            <p:cond delay="0"/>
-                                          </p:stCondLst>
-                                        </p:cTn>
-                                        <p:tgtEl>
-                                          <p:spTgt spid="12"/>
-                                        </p:tgtEl>
-                                        <p:attrNameLst>
-                                          <p:attrName>style.visibility</p:attrName>
-                                        </p:attrNameLst>
-                                      </p:cBhvr>
-                                      <p:to>
-                                        <p:strVal val="visible"/>
-                                      </p:to>
-                                    </p:set>
-                                    <p:animEffect transition="in" filter="barn(inVertical)">
-                                      <p:cBhvr>
-                                        <p:cTn id="7" dur="1000"/>
-                                        <p:tgtEl>
-                                          <p:spTgt spid="12"/>
-                                        </p:tgtEl>
-                                      </p:cBhvr>
-                                    </p:animEffect>
-                                  </p:childTnLst>
-                                </p:cTn>
-                              </p:par>
-                              <p:par>
-                                <p:cTn id="8" presetID="16" presetClass="entr" presetSubtype="21" fill="hold" grpId="0" nodeType="withEffect">
-                                  <p:stCondLst>
-                                    <p:cond delay="0"/>
-                                  </p:stCondLst>
-                                  <p:childTnLst>
-                                    <p:set>
-                                      <p:cBhvr>
-                                        <p:cTn id="9" dur="1" fill="hold">
-                                          <p:stCondLst>
-                                            <p:cond delay="0"/>
-                                          </p:stCondLst>
-                                        </p:cTn>
-                                        <p:tgtEl>
-                                          <p:spTgt spid="14"/>
-                                        </p:tgtEl>
-                                        <p:attrNameLst>
-                                          <p:attrName>style.visibility</p:attrName>
-                                        </p:attrNameLst>
-                                      </p:cBhvr>
-                                      <p:to>
-                                        <p:strVal val="visible"/>
-                                      </p:to>
-                                    </p:set>
-                                    <p:animEffect transition="in" filter="barn(inVertical)">
-                                      <p:cBhvr>
-                                        <p:cTn id="10" dur="1000"/>
-                                        <p:tgtEl>
-                                          <p:spTgt spid="14"/>
-                                        </p:tgtEl>
-                                      </p:cBhvr>
-                                    </p:animEffect>
-                                  </p:childTnLst>
-                                </p:cTn>
-                              </p:par>
-                              <p:par>
-                                <p:cTn id="11" presetID="16" presetClass="entr" presetSubtype="21" fill="hold" grpId="0" nodeType="withEffect">
-                                  <p:stCondLst>
-                                    <p:cond delay="0"/>
-                                  </p:stCondLst>
-                                  <p:childTnLst>
-                                    <p:set>
-                                      <p:cBhvr>
-                                        <p:cTn id="12" dur="1" fill="hold">
-                                          <p:stCondLst>
-                                            <p:cond delay="0"/>
-                                          </p:stCondLst>
-                                        </p:cTn>
-                                        <p:tgtEl>
-                                          <p:spTgt spid="15"/>
-                                        </p:tgtEl>
-                                        <p:attrNameLst>
-                                          <p:attrName>style.visibility</p:attrName>
-                                        </p:attrNameLst>
-                                      </p:cBhvr>
-                                      <p:to>
-                                        <p:strVal val="visible"/>
-                                      </p:to>
-                                    </p:set>
-                                    <p:animEffect transition="in" filter="barn(inVertical)">
-                                      <p:cBhvr>
-                                        <p:cTn id="13" dur="1000"/>
-                                        <p:tgtEl>
-                                          <p:spTgt spid="15"/>
-                                        </p:tgtEl>
-                                      </p:cBhvr>
-                                    </p:animEffect>
-                                  </p:childTnLst>
-                                </p:cTn>
-                              </p:par>
-                              <p:par>
-                                <p:cTn id="14" presetID="16" presetClass="entr" presetSubtype="21" fill="hold" grpId="0" nodeType="withEffect">
-                                  <p:stCondLst>
-                                    <p:cond delay="0"/>
-                                  </p:stCondLst>
-                                  <p:childTnLst>
-                                    <p:set>
-                                      <p:cBhvr>
-                                        <p:cTn id="15" dur="1" fill="hold">
-                                          <p:stCondLst>
-                                            <p:cond delay="0"/>
-                                          </p:stCondLst>
-                                        </p:cTn>
-                                        <p:tgtEl>
-                                          <p:spTgt spid="16"/>
-                                        </p:tgtEl>
-                                        <p:attrNameLst>
-                                          <p:attrName>style.visibility</p:attrName>
-                                        </p:attrNameLst>
-                                      </p:cBhvr>
-                                      <p:to>
-                                        <p:strVal val="visible"/>
-                                      </p:to>
-                                    </p:set>
-                                    <p:animEffect transition="in" filter="barn(inVertical)">
-                                      <p:cBhvr>
-                                        <p:cTn id="16" dur="1000"/>
-                                        <p:tgtEl>
-                                          <p:spTgt spid="16"/>
-                                        </p:tgtEl>
-                                      </p:cBhvr>
-                                    </p:animEffect>
-                                  </p:childTnLst>
-                                </p:cTn>
-                              </p:par>
-                            </p:childTnLst>
-                          </p:cTn>
-                        </p:par>
-                      </p:childTnLst>
-                    </p:cTn>
-                  </p:par>
-                </p:childTnLst>
-              </p:cTn>
-              <p:prevCondLst>
-                <p:cond evt="onPrev" delay="0">
-                  <p:tgtEl>
-                    <p:sldTgt/>
-                  </p:tgtEl>
-                </p:cond>
-              </p:prevCondLst>
-              <p:nextCondLst>
-                <p:cond evt="onNext" delay="0">
-                  <p:tgtEl>
-                    <p:sldTgt/>
-                  </p:tgtEl>
-                </p:cond>
-              </p:nextCondLst>
-            </p:seq>
-          </p:childTnLst>
-        </p:cTn>
-      </p:par>
-    </p:tnLst>
-    <p:bldLst>
-      <p:bldP spid="12" grpId="0"/>
-      <p:bldP spid="14" grpId="0"/>
-      <p:bldP spid="15" grpId="0"/>
-      <p:bldP spid="16" grpId="0"/>
-    </p:bldLst>
-  </p:timing>
 </p:sld>
 </file>
 
@@ -13696,400 +12699,6 @@
   <p:clrMapOvr>
     <a:masterClrMapping/>
   </p:clrMapOvr>
-  <p:timing>
-    <p:tnLst>
-      <p:par>
-        <p:cTn id="1" dur="indefinite" restart="never" nodeType="tmRoot">
-          <p:childTnLst>
-            <p:seq concurrent="1" nextAc="seek">
-              <p:cTn id="2" dur="indefinite" nodeType="mainSeq">
-                <p:childTnLst>
-                  <p:par>
-                    <p:cTn id="3" fill="hold">
-                      <p:stCondLst>
-                        <p:cond delay="indefinite"/>
-                        <p:cond evt="onBegin" delay="0">
-                          <p:tn val="2"/>
-                        </p:cond>
-                      </p:stCondLst>
-                      <p:childTnLst>
-                        <p:par>
-                          <p:cTn id="4" fill="hold">
-                            <p:stCondLst>
-                              <p:cond delay="0"/>
-                            </p:stCondLst>
-                            <p:childTnLst>
-                              <p:par>
-                                <p:cTn id="5" presetID="21" presetClass="entr" presetSubtype="1" fill="hold" nodeType="afterEffect">
-                                  <p:stCondLst>
-                                    <p:cond delay="0"/>
-                                  </p:stCondLst>
-                                  <p:childTnLst>
-                                    <p:set>
-                                      <p:cBhvr>
-                                        <p:cTn id="6" dur="1" fill="hold">
-                                          <p:stCondLst>
-                                            <p:cond delay="0"/>
-                                          </p:stCondLst>
-                                        </p:cTn>
-                                        <p:tgtEl>
-                                          <p:spTgt spid="5"/>
-                                        </p:tgtEl>
-                                        <p:attrNameLst>
-                                          <p:attrName>style.visibility</p:attrName>
-                                        </p:attrNameLst>
-                                      </p:cBhvr>
-                                      <p:to>
-                                        <p:strVal val="visible"/>
-                                      </p:to>
-                                    </p:set>
-                                    <p:animEffect transition="in" filter="wheel(1)">
-                                      <p:cBhvr>
-                                        <p:cTn id="7" dur="2000"/>
-                                        <p:tgtEl>
-                                          <p:spTgt spid="5"/>
-                                        </p:tgtEl>
-                                      </p:cBhvr>
-                                    </p:animEffect>
-                                  </p:childTnLst>
-                                </p:cTn>
-                              </p:par>
-                            </p:childTnLst>
-                          </p:cTn>
-                        </p:par>
-                        <p:par>
-                          <p:cTn id="8" fill="hold">
-                            <p:stCondLst>
-                              <p:cond delay="2000"/>
-                            </p:stCondLst>
-                            <p:childTnLst>
-                              <p:par>
-                                <p:cTn id="9" presetID="21" presetClass="entr" presetSubtype="1" fill="hold" nodeType="afterEffect">
-                                  <p:stCondLst>
-                                    <p:cond delay="0"/>
-                                  </p:stCondLst>
-                                  <p:childTnLst>
-                                    <p:set>
-                                      <p:cBhvr>
-                                        <p:cTn id="10" dur="1" fill="hold">
-                                          <p:stCondLst>
-                                            <p:cond delay="0"/>
-                                          </p:stCondLst>
-                                        </p:cTn>
-                                        <p:tgtEl>
-                                          <p:spTgt spid="6"/>
-                                        </p:tgtEl>
-                                        <p:attrNameLst>
-                                          <p:attrName>style.visibility</p:attrName>
-                                        </p:attrNameLst>
-                                      </p:cBhvr>
-                                      <p:to>
-                                        <p:strVal val="visible"/>
-                                      </p:to>
-                                    </p:set>
-                                    <p:animEffect transition="in" filter="wheel(1)">
-                                      <p:cBhvr>
-                                        <p:cTn id="11" dur="2000"/>
-                                        <p:tgtEl>
-                                          <p:spTgt spid="6"/>
-                                        </p:tgtEl>
-                                      </p:cBhvr>
-                                    </p:animEffect>
-                                  </p:childTnLst>
-                                </p:cTn>
-                              </p:par>
-                            </p:childTnLst>
-                          </p:cTn>
-                        </p:par>
-                        <p:par>
-                          <p:cTn id="12" fill="hold">
-                            <p:stCondLst>
-                              <p:cond delay="4000"/>
-                            </p:stCondLst>
-                            <p:childTnLst>
-                              <p:par>
-                                <p:cTn id="13" presetID="21" presetClass="entr" presetSubtype="2" fill="hold" nodeType="afterEffect">
-                                  <p:stCondLst>
-                                    <p:cond delay="0"/>
-                                  </p:stCondLst>
-                                  <p:childTnLst>
-                                    <p:set>
-                                      <p:cBhvr>
-                                        <p:cTn id="14" dur="1" fill="hold">
-                                          <p:stCondLst>
-                                            <p:cond delay="0"/>
-                                          </p:stCondLst>
-                                        </p:cTn>
-                                        <p:tgtEl>
-                                          <p:spTgt spid="7"/>
-                                        </p:tgtEl>
-                                        <p:attrNameLst>
-                                          <p:attrName>style.visibility</p:attrName>
-                                        </p:attrNameLst>
-                                      </p:cBhvr>
-                                      <p:to>
-                                        <p:strVal val="visible"/>
-                                      </p:to>
-                                    </p:set>
-                                    <p:animEffect transition="in" filter="wheel(2)">
-                                      <p:cBhvr>
-                                        <p:cTn id="15" dur="2000"/>
-                                        <p:tgtEl>
-                                          <p:spTgt spid="7"/>
-                                        </p:tgtEl>
-                                      </p:cBhvr>
-                                    </p:animEffect>
-                                  </p:childTnLst>
-                                </p:cTn>
-                              </p:par>
-                            </p:childTnLst>
-                          </p:cTn>
-                        </p:par>
-                        <p:par>
-                          <p:cTn id="16" fill="hold">
-                            <p:stCondLst>
-                              <p:cond delay="6000"/>
-                            </p:stCondLst>
-                            <p:childTnLst>
-                              <p:par>
-                                <p:cTn id="17" presetID="21" presetClass="entr" presetSubtype="2" fill="hold" nodeType="afterEffect">
-                                  <p:stCondLst>
-                                    <p:cond delay="0"/>
-                                  </p:stCondLst>
-                                  <p:childTnLst>
-                                    <p:set>
-                                      <p:cBhvr>
-                                        <p:cTn id="18" dur="1" fill="hold">
-                                          <p:stCondLst>
-                                            <p:cond delay="0"/>
-                                          </p:stCondLst>
-                                        </p:cTn>
-                                        <p:tgtEl>
-                                          <p:spTgt spid="8"/>
-                                        </p:tgtEl>
-                                        <p:attrNameLst>
-                                          <p:attrName>style.visibility</p:attrName>
-                                        </p:attrNameLst>
-                                      </p:cBhvr>
-                                      <p:to>
-                                        <p:strVal val="visible"/>
-                                      </p:to>
-                                    </p:set>
-                                    <p:animEffect transition="in" filter="wheel(2)">
-                                      <p:cBhvr>
-                                        <p:cTn id="19" dur="2000"/>
-                                        <p:tgtEl>
-                                          <p:spTgt spid="8"/>
-                                        </p:tgtEl>
-                                      </p:cBhvr>
-                                    </p:animEffect>
-                                  </p:childTnLst>
-                                </p:cTn>
-                              </p:par>
-                            </p:childTnLst>
-                          </p:cTn>
-                        </p:par>
-                        <p:par>
-                          <p:cTn id="20" fill="hold">
-                            <p:stCondLst>
-                              <p:cond delay="8000"/>
-                            </p:stCondLst>
-                            <p:childTnLst>
-                              <p:par>
-                                <p:cTn id="21" presetID="21" presetClass="entr" presetSubtype="3" fill="hold" nodeType="afterEffect">
-                                  <p:stCondLst>
-                                    <p:cond delay="0"/>
-                                  </p:stCondLst>
-                                  <p:childTnLst>
-                                    <p:set>
-                                      <p:cBhvr>
-                                        <p:cTn id="22" dur="1" fill="hold">
-                                          <p:stCondLst>
-                                            <p:cond delay="0"/>
-                                          </p:stCondLst>
-                                        </p:cTn>
-                                        <p:tgtEl>
-                                          <p:spTgt spid="9"/>
-                                        </p:tgtEl>
-                                        <p:attrNameLst>
-                                          <p:attrName>style.visibility</p:attrName>
-                                        </p:attrNameLst>
-                                      </p:cBhvr>
-                                      <p:to>
-                                        <p:strVal val="visible"/>
-                                      </p:to>
-                                    </p:set>
-                                    <p:animEffect transition="in" filter="wheel(3)">
-                                      <p:cBhvr>
-                                        <p:cTn id="23" dur="2000"/>
-                                        <p:tgtEl>
-                                          <p:spTgt spid="9"/>
-                                        </p:tgtEl>
-                                      </p:cBhvr>
-                                    </p:animEffect>
-                                  </p:childTnLst>
-                                </p:cTn>
-                              </p:par>
-                            </p:childTnLst>
-                          </p:cTn>
-                        </p:par>
-                        <p:par>
-                          <p:cTn id="24" fill="hold">
-                            <p:stCondLst>
-                              <p:cond delay="10000"/>
-                            </p:stCondLst>
-                            <p:childTnLst>
-                              <p:par>
-                                <p:cTn id="25" presetID="21" presetClass="entr" presetSubtype="3" fill="hold" nodeType="afterEffect">
-                                  <p:stCondLst>
-                                    <p:cond delay="0"/>
-                                  </p:stCondLst>
-                                  <p:childTnLst>
-                                    <p:set>
-                                      <p:cBhvr>
-                                        <p:cTn id="26" dur="1" fill="hold">
-                                          <p:stCondLst>
-                                            <p:cond delay="0"/>
-                                          </p:stCondLst>
-                                        </p:cTn>
-                                        <p:tgtEl>
-                                          <p:spTgt spid="10"/>
-                                        </p:tgtEl>
-                                        <p:attrNameLst>
-                                          <p:attrName>style.visibility</p:attrName>
-                                        </p:attrNameLst>
-                                      </p:cBhvr>
-                                      <p:to>
-                                        <p:strVal val="visible"/>
-                                      </p:to>
-                                    </p:set>
-                                    <p:animEffect transition="in" filter="wheel(3)">
-                                      <p:cBhvr>
-                                        <p:cTn id="27" dur="2000"/>
-                                        <p:tgtEl>
-                                          <p:spTgt spid="10"/>
-                                        </p:tgtEl>
-                                      </p:cBhvr>
-                                    </p:animEffect>
-                                  </p:childTnLst>
-                                </p:cTn>
-                              </p:par>
-                            </p:childTnLst>
-                          </p:cTn>
-                        </p:par>
-                        <p:par>
-                          <p:cTn id="28" fill="hold">
-                            <p:stCondLst>
-                              <p:cond delay="12000"/>
-                            </p:stCondLst>
-                            <p:childTnLst>
-                              <p:par>
-                                <p:cTn id="29" presetID="21" presetClass="entr" presetSubtype="4" fill="hold" nodeType="afterEffect">
-                                  <p:stCondLst>
-                                    <p:cond delay="0"/>
-                                  </p:stCondLst>
-                                  <p:childTnLst>
-                                    <p:set>
-                                      <p:cBhvr>
-                                        <p:cTn id="30" dur="1" fill="hold">
-                                          <p:stCondLst>
-                                            <p:cond delay="0"/>
-                                          </p:stCondLst>
-                                        </p:cTn>
-                                        <p:tgtEl>
-                                          <p:spTgt spid="11"/>
-                                        </p:tgtEl>
-                                        <p:attrNameLst>
-                                          <p:attrName>style.visibility</p:attrName>
-                                        </p:attrNameLst>
-                                      </p:cBhvr>
-                                      <p:to>
-                                        <p:strVal val="visible"/>
-                                      </p:to>
-                                    </p:set>
-                                    <p:animEffect transition="in" filter="wheel(4)">
-                                      <p:cBhvr>
-                                        <p:cTn id="31" dur="2000"/>
-                                        <p:tgtEl>
-                                          <p:spTgt spid="11"/>
-                                        </p:tgtEl>
-                                      </p:cBhvr>
-                                    </p:animEffect>
-                                  </p:childTnLst>
-                                </p:cTn>
-                              </p:par>
-                            </p:childTnLst>
-                          </p:cTn>
-                        </p:par>
-                        <p:par>
-                          <p:cTn id="32" fill="hold">
-                            <p:stCondLst>
-                              <p:cond delay="14000"/>
-                            </p:stCondLst>
-                            <p:childTnLst>
-                              <p:par>
-                                <p:cTn id="33" presetID="21" presetClass="entr" presetSubtype="8" fill="hold" nodeType="afterEffect">
-                                  <p:stCondLst>
-                                    <p:cond delay="0"/>
-                                  </p:stCondLst>
-                                  <p:childTnLst>
-                                    <p:set>
-                                      <p:cBhvr>
-                                        <p:cTn id="34" dur="1" fill="hold">
-                                          <p:stCondLst>
-                                            <p:cond delay="0"/>
-                                          </p:stCondLst>
-                                        </p:cTn>
-                                        <p:tgtEl>
-                                          <p:spTgt spid="12"/>
-                                        </p:tgtEl>
-                                        <p:attrNameLst>
-                                          <p:attrName>style.visibility</p:attrName>
-                                        </p:attrNameLst>
-                                      </p:cBhvr>
-                                      <p:to>
-                                        <p:strVal val="visible"/>
-                                      </p:to>
-                                    </p:set>
-                                    <p:animEffect transition="in" filter="wheel(8)">
-                                      <p:cBhvr>
-                                        <p:cTn id="35" dur="2000"/>
-                                        <p:tgtEl>
-                                          <p:spTgt spid="12"/>
-                                        </p:tgtEl>
-                                      </p:cBhvr>
-                                    </p:animEffect>
-                                  </p:childTnLst>
-                                </p:cTn>
-                              </p:par>
-                            </p:childTnLst>
-                          </p:cTn>
-                        </p:par>
-                      </p:childTnLst>
-                    </p:cTn>
-                  </p:par>
-                </p:childTnLst>
-              </p:cTn>
-              <p:prevCondLst>
-                <p:cond evt="onPrev" delay="0">
-                  <p:tgtEl>
-                    <p:sldTgt/>
-                  </p:tgtEl>
-                </p:cond>
-              </p:prevCondLst>
-              <p:nextCondLst>
-                <p:cond evt="onNext" delay="0">
-                  <p:tgtEl>
-                    <p:sldTgt/>
-                  </p:tgtEl>
-                </p:cond>
-              </p:nextCondLst>
-            </p:seq>
-          </p:childTnLst>
-        </p:cTn>
-      </p:par>
-    </p:tnLst>
-  </p:timing>
 </p:sld>
 </file>
 
